--- a/GAN Naan Mudhalvan Handwritten Digit Generation.pptx
+++ b/GAN Naan Mudhalvan Handwritten Digit Generation.pptx
@@ -220,7 +220,7 @@
           <a:p>
             <a:fld id="{BDE4840E-8CF6-4DDD-9559-5C65A34C0628}" type="datetimeFigureOut">
               <a:rPr lang="en-IN" smtClean="0"/>
-              <a:t>03-04-2024</a:t>
+              <a:t>11-05-2024</a:t>
             </a:fld>
             <a:endParaRPr lang="en-IN"/>
           </a:p>
@@ -633,7 +633,7 @@
           <a:p>
             <a:fld id="{1D8BD707-D9CF-40AE-B4C6-C98DA3205C09}" type="datetimeFigureOut">
               <a:rPr lang="en-US" smtClean="0"/>
-              <a:t>4/3/2024</a:t>
+              <a:t>5/11/2024</a:t>
             </a:fld>
             <a:endParaRPr lang="en-US"/>
           </a:p>
@@ -813,7 +813,7 @@
           <a:p>
             <a:fld id="{1D8BD707-D9CF-40AE-B4C6-C98DA3205C09}" type="datetimeFigureOut">
               <a:rPr lang="en-US" smtClean="0"/>
-              <a:t>4/3/2024</a:t>
+              <a:t>5/11/2024</a:t>
             </a:fld>
             <a:endParaRPr lang="en-US"/>
           </a:p>
@@ -1036,7 +1036,7 @@
           <a:p>
             <a:fld id="{1D8BD707-D9CF-40AE-B4C6-C98DA3205C09}" type="datetimeFigureOut">
               <a:rPr lang="en-US" smtClean="0"/>
-              <a:t>4/3/2024</a:t>
+              <a:t>5/11/2024</a:t>
             </a:fld>
             <a:endParaRPr lang="en-US"/>
           </a:p>
@@ -1193,7 +1193,7 @@
           <a:p>
             <a:fld id="{1D8BD707-D9CF-40AE-B4C6-C98DA3205C09}" type="datetimeFigureOut">
               <a:rPr lang="en-US" smtClean="0"/>
-              <a:t>4/3/2024</a:t>
+              <a:t>5/11/2024</a:t>
             </a:fld>
             <a:endParaRPr lang="en-US"/>
           </a:p>
@@ -1321,7 +1321,7 @@
           <a:p>
             <a:fld id="{1D8BD707-D9CF-40AE-B4C6-C98DA3205C09}" type="datetimeFigureOut">
               <a:rPr lang="en-US" smtClean="0"/>
-              <a:t>4/3/2024</a:t>
+              <a:t>5/11/2024</a:t>
             </a:fld>
             <a:endParaRPr lang="en-US"/>
           </a:p>
@@ -2040,7 +2040,7 @@
           <a:p>
             <a:fld id="{1D8BD707-D9CF-40AE-B4C6-C98DA3205C09}" type="datetimeFigureOut">
               <a:rPr lang="en-US" smtClean="0"/>
-              <a:t>4/3/2024</a:t>
+              <a:t>5/11/2024</a:t>
             </a:fld>
             <a:endParaRPr lang="en-US"/>
           </a:p>
@@ -8140,7 +8140,19 @@
               <a:rPr lang="en-US" sz="2400" dirty="0">
                 <a:latin typeface="Trebuchet MS" panose="020B0603020202020204" pitchFamily="34" charset="0"/>
               </a:rPr>
-              <a:t>	The aim of the is to produce handwritten digits like those present in MNIST dataset using Generative Adversarial Network(GAN). MNIST comprises 28x28 grayscale images of handwritten digits ranging from 0 to 9.</a:t>
+              <a:t>	The aim of </a:t>
+            </a:r>
+            <a:r>
+              <a:rPr lang="en-US" sz="2400">
+                <a:latin typeface="Trebuchet MS" panose="020B0603020202020204" pitchFamily="34" charset="0"/>
+              </a:rPr>
+              <a:t>the project is </a:t>
+            </a:r>
+            <a:r>
+              <a:rPr lang="en-US" sz="2400" dirty="0">
+                <a:latin typeface="Trebuchet MS" panose="020B0603020202020204" pitchFamily="34" charset="0"/>
+              </a:rPr>
+              <a:t>to produce handwritten digits like those present in MNIST dataset using Generative Adversarial Network(GAN). MNIST comprises 28x28 grayscale images of handwritten digits ranging from 0 to 9.</a:t>
             </a:r>
             <a:endParaRPr lang="en-IN" sz="2400" dirty="0">
               <a:latin typeface="Trebuchet MS" panose="020B0603020202020204" pitchFamily="34" charset="0"/>
